--- a/Presentation.pptx
+++ b/Presentation.pptx
@@ -5,12 +5,14 @@
     <p:sldMasterId id="2147483648" r:id="rId1"/>
   </p:sldMasterIdLst>
   <p:notesMasterIdLst>
-    <p:notesMasterId r:id="rId5"/>
+    <p:notesMasterId r:id="rId7"/>
   </p:notesMasterIdLst>
   <p:sldIdLst>
     <p:sldId id="256" r:id="rId2"/>
     <p:sldId id="258" r:id="rId3"/>
-    <p:sldId id="257" r:id="rId4"/>
+    <p:sldId id="259" r:id="rId4"/>
+    <p:sldId id="260" r:id="rId5"/>
+    <p:sldId id="257" r:id="rId6"/>
   </p:sldIdLst>
   <p:sldSz cx="12192000" cy="6858000"/>
   <p:notesSz cx="6858000" cy="9144000"/>
@@ -109,6 +111,11 @@
       </a:defRPr>
     </a:lvl9pPr>
   </p:defaultTextStyle>
+  <p:extLst>
+    <p:ext uri="{EFAFB233-063F-42B5-8137-9DF3F51BA10A}">
+      <p15:sldGuideLst xmlns:p15="http://schemas.microsoft.com/office/powerpoint/2012/main"/>
+    </p:ext>
+  </p:extLst>
 </p:presentation>
 </file>
 
@@ -730,7 +737,7 @@
           <a:p>
             <a:fld id="{F65BD473-175F-4550-BD35-0F535DAB5A51}" type="slidenum">
               <a:rPr lang="en-GB" smtClean="0"/>
-              <a:t>3</a:t>
+              <a:t>5</a:t>
             </a:fld>
             <a:endParaRPr lang="en-GB"/>
           </a:p>
@@ -4190,6 +4197,36 @@
 <file path=ppt/slides/slide3.xml><?xml version="1.0" encoding="utf-8"?>
 <p:sld xmlns:a="http://schemas.openxmlformats.org/drawingml/2006/main" xmlns:r="http://schemas.openxmlformats.org/officeDocument/2006/relationships" xmlns:p="http://schemas.openxmlformats.org/presentationml/2006/main">
   <p:cSld>
+    <p:bg>
+      <p:bgPr>
+        <a:gradFill flip="none" rotWithShape="1">
+          <a:gsLst>
+            <a:gs pos="0">
+              <a:schemeClr val="accent5">
+                <a:lumMod val="0"/>
+                <a:lumOff val="100000"/>
+              </a:schemeClr>
+            </a:gs>
+            <a:gs pos="35000">
+              <a:schemeClr val="accent5">
+                <a:lumMod val="0"/>
+                <a:lumOff val="100000"/>
+              </a:schemeClr>
+            </a:gs>
+            <a:gs pos="100000">
+              <a:schemeClr val="accent5">
+                <a:lumMod val="100000"/>
+              </a:schemeClr>
+            </a:gs>
+          </a:gsLst>
+          <a:path path="circle">
+            <a:fillToRect l="50000" t="-80000" r="50000" b="180000"/>
+          </a:path>
+          <a:tileRect/>
+        </a:gradFill>
+        <a:effectLst/>
+      </p:bgPr>
+    </p:bg>
     <p:spTree>
       <p:nvGrpSpPr>
         <p:cNvPr id="1" name=""/>
@@ -4204,6 +4241,195 @@
           <a:chExt cx="0" cy="0"/>
         </a:xfrm>
       </p:grpSpPr>
+      <p:sp>
+        <p:nvSpPr>
+          <p:cNvPr id="2" name="Rectangle 1">
+            <a:extLst>
+              <a:ext uri="{FF2B5EF4-FFF2-40B4-BE49-F238E27FC236}">
+                <a16:creationId xmlns:a16="http://schemas.microsoft.com/office/drawing/2014/main" id="{6BA51D9B-9A16-4C28-BACF-A84FF40B4984}"/>
+              </a:ext>
+            </a:extLst>
+          </p:cNvPr>
+          <p:cNvSpPr/>
+          <p:nvPr/>
+        </p:nvSpPr>
+        <p:spPr>
+          <a:xfrm>
+            <a:off x="3930858" y="2497976"/>
+            <a:ext cx="4330283" cy="1862048"/>
+          </a:xfrm>
+          <a:prstGeom prst="rect">
+            <a:avLst/>
+          </a:prstGeom>
+          <a:noFill/>
+        </p:spPr>
+        <p:txBody>
+          <a:bodyPr wrap="square" lIns="91440" tIns="45720" rIns="91440" bIns="45720">
+            <a:spAutoFit/>
+          </a:bodyPr>
+          <a:lstStyle/>
+          <a:p>
+            <a:pPr algn="ctr"/>
+            <a:r>
+              <a:rPr lang="en-US" sz="11500" b="1" dirty="0">
+                <a:ln w="22225">
+                  <a:solidFill>
+                    <a:schemeClr val="accent2">
+                      <a:lumMod val="60000"/>
+                      <a:lumOff val="40000"/>
+                    </a:schemeClr>
+                  </a:solidFill>
+                  <a:prstDash val="solid"/>
+                </a:ln>
+                <a:solidFill>
+                  <a:schemeClr val="accent2">
+                    <a:lumMod val="75000"/>
+                  </a:schemeClr>
+                </a:solidFill>
+              </a:rPr>
+              <a:t>Demo</a:t>
+            </a:r>
+          </a:p>
+        </p:txBody>
+      </p:sp>
+    </p:spTree>
+    <p:extLst>
+      <p:ext uri="{BB962C8B-B14F-4D97-AF65-F5344CB8AC3E}">
+        <p14:creationId xmlns:p14="http://schemas.microsoft.com/office/powerpoint/2010/main" val="3832150919"/>
+      </p:ext>
+    </p:extLst>
+  </p:cSld>
+  <p:clrMapOvr>
+    <a:masterClrMapping/>
+  </p:clrMapOvr>
+</p:sld>
+</file>
+
+<file path=ppt/slides/slide4.xml><?xml version="1.0" encoding="utf-8"?>
+<p:sld xmlns:a="http://schemas.openxmlformats.org/drawingml/2006/main" xmlns:r="http://schemas.openxmlformats.org/officeDocument/2006/relationships" xmlns:p="http://schemas.openxmlformats.org/presentationml/2006/main">
+  <p:cSld>
+    <p:spTree>
+      <p:nvGrpSpPr>
+        <p:cNvPr id="1" name=""/>
+        <p:cNvGrpSpPr/>
+        <p:nvPr/>
+      </p:nvGrpSpPr>
+      <p:grpSpPr>
+        <a:xfrm>
+          <a:off x="0" y="0"/>
+          <a:ext cx="0" cy="0"/>
+          <a:chOff x="0" y="0"/>
+          <a:chExt cx="0" cy="0"/>
+        </a:xfrm>
+      </p:grpSpPr>
+    </p:spTree>
+    <p:extLst>
+      <p:ext uri="{BB962C8B-B14F-4D97-AF65-F5344CB8AC3E}">
+        <p14:creationId xmlns:p14="http://schemas.microsoft.com/office/powerpoint/2010/main" val="4055675679"/>
+      </p:ext>
+    </p:extLst>
+  </p:cSld>
+  <p:clrMapOvr>
+    <a:masterClrMapping/>
+  </p:clrMapOvr>
+</p:sld>
+</file>
+
+<file path=ppt/slides/slide5.xml><?xml version="1.0" encoding="utf-8"?>
+<p:sld xmlns:a="http://schemas.openxmlformats.org/drawingml/2006/main" xmlns:r="http://schemas.openxmlformats.org/officeDocument/2006/relationships" xmlns:p="http://schemas.openxmlformats.org/presentationml/2006/main">
+  <p:cSld>
+    <p:spTree>
+      <p:nvGrpSpPr>
+        <p:cNvPr id="1" name=""/>
+        <p:cNvGrpSpPr/>
+        <p:nvPr/>
+      </p:nvGrpSpPr>
+      <p:grpSpPr>
+        <a:xfrm>
+          <a:off x="0" y="0"/>
+          <a:ext cx="0" cy="0"/>
+          <a:chOff x="0" y="0"/>
+          <a:chExt cx="0" cy="0"/>
+        </a:xfrm>
+      </p:grpSpPr>
+      <p:pic>
+        <p:nvPicPr>
+          <p:cNvPr id="2" name="Picture 1">
+            <a:extLst>
+              <a:ext uri="{FF2B5EF4-FFF2-40B4-BE49-F238E27FC236}">
+                <a16:creationId xmlns:a16="http://schemas.microsoft.com/office/drawing/2014/main" id="{D7B896B9-79A3-4275-B907-4CB055419F96}"/>
+              </a:ext>
+            </a:extLst>
+          </p:cNvPr>
+          <p:cNvPicPr>
+            <a:picLocks noChangeAspect="1"/>
+          </p:cNvPicPr>
+          <p:nvPr/>
+        </p:nvPicPr>
+        <p:blipFill rotWithShape="1">
+          <a:blip r:embed="rId3"/>
+          <a:srcRect t="3945" b="46181"/>
+          <a:stretch/>
+        </p:blipFill>
+        <p:spPr>
+          <a:xfrm>
+            <a:off x="322634" y="3103123"/>
+            <a:ext cx="11546732" cy="3239311"/>
+          </a:xfrm>
+          <a:prstGeom prst="rect">
+            <a:avLst/>
+          </a:prstGeom>
+          <a:ln>
+            <a:noFill/>
+          </a:ln>
+          <a:effectLst>
+            <a:outerShdw blurRad="292100" dist="139700" dir="2700000" algn="tl" rotWithShape="0">
+              <a:srgbClr val="333333">
+                <a:alpha val="65000"/>
+              </a:srgbClr>
+            </a:outerShdw>
+          </a:effectLst>
+        </p:spPr>
+      </p:pic>
+      <p:pic>
+        <p:nvPicPr>
+          <p:cNvPr id="3" name="Picture 2">
+            <a:extLst>
+              <a:ext uri="{FF2B5EF4-FFF2-40B4-BE49-F238E27FC236}">
+                <a16:creationId xmlns:a16="http://schemas.microsoft.com/office/drawing/2014/main" id="{3D836448-A4F2-4F86-A2DF-C74653083948}"/>
+              </a:ext>
+            </a:extLst>
+          </p:cNvPr>
+          <p:cNvPicPr>
+            <a:picLocks noChangeAspect="1"/>
+          </p:cNvPicPr>
+          <p:nvPr/>
+        </p:nvPicPr>
+        <p:blipFill rotWithShape="1">
+          <a:blip r:embed="rId4"/>
+          <a:srcRect t="12127" r="49144" b="48927"/>
+          <a:stretch/>
+        </p:blipFill>
+        <p:spPr>
+          <a:xfrm>
+            <a:off x="322634" y="212943"/>
+            <a:ext cx="6200384" cy="2614808"/>
+          </a:xfrm>
+          <a:prstGeom prst="rect">
+            <a:avLst/>
+          </a:prstGeom>
+          <a:ln>
+            <a:noFill/>
+          </a:ln>
+          <a:effectLst>
+            <a:outerShdw blurRad="292100" dist="139700" dir="2700000" algn="tl" rotWithShape="0">
+              <a:srgbClr val="333333">
+                <a:alpha val="65000"/>
+              </a:srgbClr>
+            </a:outerShdw>
+          </a:effectLst>
+        </p:spPr>
+      </p:pic>
     </p:spTree>
     <p:extLst>
       <p:ext uri="{BB962C8B-B14F-4D97-AF65-F5344CB8AC3E}">

--- a/Presentation.pptx
+++ b/Presentation.pptx
@@ -4274,7 +4274,7 @@
               <a:rPr lang="en-US" sz="11500" b="1" dirty="0">
                 <a:ln w="22225">
                   <a:solidFill>
-                    <a:schemeClr val="accent2">
+                    <a:schemeClr val="accent4">
                       <a:lumMod val="60000"/>
                       <a:lumOff val="40000"/>
                     </a:schemeClr>
@@ -4282,9 +4282,7 @@
                   <a:prstDash val="solid"/>
                 </a:ln>
                 <a:solidFill>
-                  <a:schemeClr val="accent2">
-                    <a:lumMod val="75000"/>
-                  </a:schemeClr>
+                  <a:srgbClr val="C00000"/>
                 </a:solidFill>
               </a:rPr>
               <a:t>Demo</a:t>
@@ -4373,7 +4371,7 @@
         </p:blipFill>
         <p:spPr>
           <a:xfrm>
-            <a:off x="322634" y="3103123"/>
+            <a:off x="322634" y="3356042"/>
             <a:ext cx="11546732" cy="3239311"/>
           </a:xfrm>
           <a:prstGeom prst="rect">
@@ -4412,7 +4410,7 @@
         </p:blipFill>
         <p:spPr>
           <a:xfrm>
-            <a:off x="322634" y="212943"/>
+            <a:off x="322634" y="125394"/>
             <a:ext cx="6200384" cy="2614808"/>
           </a:xfrm>
           <a:prstGeom prst="rect">
@@ -4428,6 +4426,36 @@
               </a:srgbClr>
             </a:outerShdw>
           </a:effectLst>
+        </p:spPr>
+      </p:pic>
+      <p:pic>
+        <p:nvPicPr>
+          <p:cNvPr id="4" name="Picture 3">
+            <a:extLst>
+              <a:ext uri="{FF2B5EF4-FFF2-40B4-BE49-F238E27FC236}">
+                <a16:creationId xmlns:a16="http://schemas.microsoft.com/office/drawing/2014/main" id="{0C0BD2A1-7253-4A75-809A-17A709C6BEA1}"/>
+              </a:ext>
+            </a:extLst>
+          </p:cNvPr>
+          <p:cNvPicPr>
+            <a:picLocks noChangeAspect="1"/>
+          </p:cNvPicPr>
+          <p:nvPr/>
+        </p:nvPicPr>
+        <p:blipFill>
+          <a:blip r:embed="rId5"/>
+          <a:stretch>
+            <a:fillRect/>
+          </a:stretch>
+        </p:blipFill>
+        <p:spPr>
+          <a:xfrm>
+            <a:off x="322634" y="3049249"/>
+            <a:ext cx="6700635" cy="306793"/>
+          </a:xfrm>
+          <a:prstGeom prst="rect">
+            <a:avLst/>
+          </a:prstGeom>
         </p:spPr>
       </p:pic>
     </p:spTree>

--- a/Presentation.pptx
+++ b/Presentation.pptx
@@ -5,14 +5,16 @@
     <p:sldMasterId id="2147483648" r:id="rId1"/>
   </p:sldMasterIdLst>
   <p:notesMasterIdLst>
-    <p:notesMasterId r:id="rId7"/>
+    <p:notesMasterId r:id="rId9"/>
   </p:notesMasterIdLst>
   <p:sldIdLst>
     <p:sldId id="256" r:id="rId2"/>
     <p:sldId id="258" r:id="rId3"/>
     <p:sldId id="259" r:id="rId4"/>
-    <p:sldId id="260" r:id="rId5"/>
-    <p:sldId id="257" r:id="rId6"/>
+    <p:sldId id="257" r:id="rId5"/>
+    <p:sldId id="261" r:id="rId6"/>
+    <p:sldId id="263" r:id="rId7"/>
+    <p:sldId id="262" r:id="rId8"/>
   </p:sldIdLst>
   <p:sldSz cx="12192000" cy="6858000"/>
   <p:notesSz cx="6858000" cy="9144000"/>
@@ -737,7 +739,7 @@
           <a:p>
             <a:fld id="{F65BD473-175F-4550-BD35-0F535DAB5A51}" type="slidenum">
               <a:rPr lang="en-GB" smtClean="0"/>
-              <a:t>5</a:t>
+              <a:t>4</a:t>
             </a:fld>
             <a:endParaRPr lang="en-GB"/>
           </a:p>
@@ -4214,9 +4216,7 @@
               </a:schemeClr>
             </a:gs>
             <a:gs pos="100000">
-              <a:schemeClr val="accent5">
-                <a:lumMod val="100000"/>
-              </a:schemeClr>
+              <a:srgbClr val="0070C0"/>
             </a:gs>
           </a:gsLst>
           <a:path path="circle">
@@ -4304,36 +4304,6 @@
 </file>
 
 <file path=ppt/slides/slide4.xml><?xml version="1.0" encoding="utf-8"?>
-<p:sld xmlns:a="http://schemas.openxmlformats.org/drawingml/2006/main" xmlns:r="http://schemas.openxmlformats.org/officeDocument/2006/relationships" xmlns:p="http://schemas.openxmlformats.org/presentationml/2006/main">
-  <p:cSld>
-    <p:spTree>
-      <p:nvGrpSpPr>
-        <p:cNvPr id="1" name=""/>
-        <p:cNvGrpSpPr/>
-        <p:nvPr/>
-      </p:nvGrpSpPr>
-      <p:grpSpPr>
-        <a:xfrm>
-          <a:off x="0" y="0"/>
-          <a:ext cx="0" cy="0"/>
-          <a:chOff x="0" y="0"/>
-          <a:chExt cx="0" cy="0"/>
-        </a:xfrm>
-      </p:grpSpPr>
-    </p:spTree>
-    <p:extLst>
-      <p:ext uri="{BB962C8B-B14F-4D97-AF65-F5344CB8AC3E}">
-        <p14:creationId xmlns:p14="http://schemas.microsoft.com/office/powerpoint/2010/main" val="4055675679"/>
-      </p:ext>
-    </p:extLst>
-  </p:cSld>
-  <p:clrMapOvr>
-    <a:masterClrMapping/>
-  </p:clrMapOvr>
-</p:sld>
-</file>
-
-<file path=ppt/slides/slide5.xml><?xml version="1.0" encoding="utf-8"?>
 <p:sld xmlns:a="http://schemas.openxmlformats.org/drawingml/2006/main" xmlns:r="http://schemas.openxmlformats.org/officeDocument/2006/relationships" xmlns:p="http://schemas.openxmlformats.org/presentationml/2006/main">
   <p:cSld>
     <p:spTree>
@@ -4410,7 +4380,7 @@
         </p:blipFill>
         <p:spPr>
           <a:xfrm>
-            <a:off x="322634" y="125394"/>
+            <a:off x="5668982" y="174032"/>
             <a:ext cx="6200384" cy="2614808"/>
           </a:xfrm>
           <a:prstGeom prst="rect">
@@ -4458,10 +4428,584 @@
           </a:prstGeom>
         </p:spPr>
       </p:pic>
+      <p:pic>
+        <p:nvPicPr>
+          <p:cNvPr id="5" name="Picture 4">
+            <a:extLst>
+              <a:ext uri="{FF2B5EF4-FFF2-40B4-BE49-F238E27FC236}">
+                <a16:creationId xmlns:a16="http://schemas.microsoft.com/office/drawing/2014/main" id="{8C8AB4DB-0DAE-4421-80DE-7D248588F308}"/>
+              </a:ext>
+            </a:extLst>
+          </p:cNvPr>
+          <p:cNvPicPr>
+            <a:picLocks noChangeAspect="1"/>
+          </p:cNvPicPr>
+          <p:nvPr/>
+        </p:nvPicPr>
+        <p:blipFill>
+          <a:blip r:embed="rId6"/>
+          <a:stretch>
+            <a:fillRect/>
+          </a:stretch>
+        </p:blipFill>
+        <p:spPr>
+          <a:xfrm>
+            <a:off x="322634" y="174031"/>
+            <a:ext cx="4463375" cy="2668397"/>
+          </a:xfrm>
+          <a:prstGeom prst="rect">
+            <a:avLst/>
+          </a:prstGeom>
+          <a:ln>
+            <a:noFill/>
+          </a:ln>
+          <a:effectLst>
+            <a:outerShdw blurRad="292100" dist="139700" dir="2700000" algn="tl" rotWithShape="0">
+              <a:srgbClr val="333333">
+                <a:alpha val="65000"/>
+              </a:srgbClr>
+            </a:outerShdw>
+          </a:effectLst>
+        </p:spPr>
+      </p:pic>
     </p:spTree>
     <p:extLst>
       <p:ext uri="{BB962C8B-B14F-4D97-AF65-F5344CB8AC3E}">
         <p14:creationId xmlns:p14="http://schemas.microsoft.com/office/powerpoint/2010/main" val="3446127988"/>
+      </p:ext>
+    </p:extLst>
+  </p:cSld>
+  <p:clrMapOvr>
+    <a:masterClrMapping/>
+  </p:clrMapOvr>
+</p:sld>
+</file>
+
+<file path=ppt/slides/slide5.xml><?xml version="1.0" encoding="utf-8"?>
+<p:sld xmlns:a="http://schemas.openxmlformats.org/drawingml/2006/main" xmlns:r="http://schemas.openxmlformats.org/officeDocument/2006/relationships" xmlns:p="http://schemas.openxmlformats.org/presentationml/2006/main">
+  <p:cSld>
+    <p:spTree>
+      <p:nvGrpSpPr>
+        <p:cNvPr id="1" name=""/>
+        <p:cNvGrpSpPr/>
+        <p:nvPr/>
+      </p:nvGrpSpPr>
+      <p:grpSpPr>
+        <a:xfrm>
+          <a:off x="0" y="0"/>
+          <a:ext cx="0" cy="0"/>
+          <a:chOff x="0" y="0"/>
+          <a:chExt cx="0" cy="0"/>
+        </a:xfrm>
+      </p:grpSpPr>
+      <p:pic>
+        <p:nvPicPr>
+          <p:cNvPr id="1026" name="Picture 2" descr="https://scontent-lhr3-1.xx.fbcdn.net/v/t1.15752-9/44908290_2221296021481444_2495273589775794176_n.png?_nc_cat=110&amp;_nc_ht=scontent-lhr3-1.xx&amp;oh=313e51a6902fc632349fe224ca73ff39&amp;oe=5C503764">
+            <a:extLst>
+              <a:ext uri="{FF2B5EF4-FFF2-40B4-BE49-F238E27FC236}">
+                <a16:creationId xmlns:a16="http://schemas.microsoft.com/office/drawing/2014/main" id="{E02EE947-1FF7-4FE1-A70D-E3A408C26978}"/>
+              </a:ext>
+            </a:extLst>
+          </p:cNvPr>
+          <p:cNvPicPr>
+            <a:picLocks noChangeAspect="1" noChangeArrowheads="1"/>
+          </p:cNvPicPr>
+          <p:nvPr/>
+        </p:nvPicPr>
+        <p:blipFill>
+          <a:blip r:embed="rId2">
+            <a:extLst>
+              <a:ext uri="{28A0092B-C50C-407E-A947-70E740481C1C}">
+                <a14:useLocalDpi xmlns:a14="http://schemas.microsoft.com/office/drawing/2010/main" val="0"/>
+              </a:ext>
+            </a:extLst>
+          </a:blip>
+          <a:srcRect/>
+          <a:stretch>
+            <a:fillRect/>
+          </a:stretch>
+        </p:blipFill>
+        <p:spPr bwMode="auto">
+          <a:xfrm>
+            <a:off x="758560" y="426690"/>
+            <a:ext cx="10674879" cy="6004619"/>
+          </a:xfrm>
+          <a:prstGeom prst="rect">
+            <a:avLst/>
+          </a:prstGeom>
+          <a:ln w="127000" cap="sq">
+            <a:solidFill>
+              <a:srgbClr val="000000"/>
+            </a:solidFill>
+            <a:miter lim="800000"/>
+          </a:ln>
+          <a:effectLst>
+            <a:outerShdw blurRad="57150" dist="50800" dir="2700000" algn="tl" rotWithShape="0">
+              <a:srgbClr val="000000">
+                <a:alpha val="40000"/>
+              </a:srgbClr>
+            </a:outerShdw>
+          </a:effectLst>
+          <a:extLst>
+            <a:ext uri="{909E8E84-426E-40DD-AFC4-6F175D3DCCD1}">
+              <a14:hiddenFill xmlns:a14="http://schemas.microsoft.com/office/drawing/2010/main">
+                <a:solidFill>
+                  <a:srgbClr val="FFFFFF"/>
+                </a:solidFill>
+              </a14:hiddenFill>
+            </a:ext>
+          </a:extLst>
+        </p:spPr>
+      </p:pic>
+    </p:spTree>
+    <p:extLst>
+      <p:ext uri="{BB962C8B-B14F-4D97-AF65-F5344CB8AC3E}">
+        <p14:creationId xmlns:p14="http://schemas.microsoft.com/office/powerpoint/2010/main" val="795928346"/>
+      </p:ext>
+    </p:extLst>
+  </p:cSld>
+  <p:clrMapOvr>
+    <a:masterClrMapping/>
+  </p:clrMapOvr>
+</p:sld>
+</file>
+
+<file path=ppt/slides/slide6.xml><?xml version="1.0" encoding="utf-8"?>
+<p:sld xmlns:a="http://schemas.openxmlformats.org/drawingml/2006/main" xmlns:r="http://schemas.openxmlformats.org/officeDocument/2006/relationships" xmlns:p="http://schemas.openxmlformats.org/presentationml/2006/main">
+  <p:cSld>
+    <p:bg>
+      <p:bgPr>
+        <a:solidFill>
+          <a:schemeClr val="bg1"/>
+        </a:solidFill>
+        <a:effectLst/>
+      </p:bgPr>
+    </p:bg>
+    <p:spTree>
+      <p:nvGrpSpPr>
+        <p:cNvPr id="1" name=""/>
+        <p:cNvGrpSpPr/>
+        <p:nvPr/>
+      </p:nvGrpSpPr>
+      <p:grpSpPr>
+        <a:xfrm>
+          <a:off x="0" y="0"/>
+          <a:ext cx="0" cy="0"/>
+          <a:chOff x="0" y="0"/>
+          <a:chExt cx="0" cy="0"/>
+        </a:xfrm>
+      </p:grpSpPr>
+      <p:pic>
+        <p:nvPicPr>
+          <p:cNvPr id="2050" name="Picture 2" descr="https://scontent-lhr3-1.xx.fbcdn.net/v/t1.15752-9/44902209_258162801566503_3029625456212049920_n.png?_nc_cat=110&amp;_nc_ht=scontent-lhr3-1.xx&amp;oh=c254488b4da8925039bbe3f8050ec12e&amp;oe=5C86CCBB">
+            <a:extLst>
+              <a:ext uri="{FF2B5EF4-FFF2-40B4-BE49-F238E27FC236}">
+                <a16:creationId xmlns:a16="http://schemas.microsoft.com/office/drawing/2014/main" id="{AFD5E6CC-6B61-4043-A530-B33FD99EE043}"/>
+              </a:ext>
+            </a:extLst>
+          </p:cNvPr>
+          <p:cNvPicPr>
+            <a:picLocks noChangeAspect="1" noChangeArrowheads="1"/>
+          </p:cNvPicPr>
+          <p:nvPr/>
+        </p:nvPicPr>
+        <p:blipFill>
+          <a:blip r:embed="rId2">
+            <a:extLst>
+              <a:ext uri="{28A0092B-C50C-407E-A947-70E740481C1C}">
+                <a14:useLocalDpi xmlns:a14="http://schemas.microsoft.com/office/drawing/2010/main" val="0"/>
+              </a:ext>
+            </a:extLst>
+          </a:blip>
+          <a:srcRect/>
+          <a:stretch>
+            <a:fillRect/>
+          </a:stretch>
+        </p:blipFill>
+        <p:spPr bwMode="auto">
+          <a:xfrm>
+            <a:off x="457202" y="560081"/>
+            <a:ext cx="5426764" cy="2428476"/>
+          </a:xfrm>
+          <a:prstGeom prst="rect">
+            <a:avLst/>
+          </a:prstGeom>
+          <a:ln>
+            <a:noFill/>
+          </a:ln>
+          <a:effectLst>
+            <a:outerShdw blurRad="292100" dist="139700" dir="2700000" algn="tl" rotWithShape="0">
+              <a:srgbClr val="333333">
+                <a:alpha val="65000"/>
+              </a:srgbClr>
+            </a:outerShdw>
+          </a:effectLst>
+          <a:extLst>
+            <a:ext uri="{909E8E84-426E-40DD-AFC4-6F175D3DCCD1}">
+              <a14:hiddenFill xmlns:a14="http://schemas.microsoft.com/office/drawing/2010/main">
+                <a:solidFill>
+                  <a:srgbClr val="FFFFFF"/>
+                </a:solidFill>
+              </a14:hiddenFill>
+            </a:ext>
+          </a:extLst>
+        </p:spPr>
+      </p:pic>
+      <p:pic>
+        <p:nvPicPr>
+          <p:cNvPr id="2052" name="Picture 4" descr="https://scontent-lhr3-1.xx.fbcdn.net/v/t1.15752-9/44882440_318382195614747_8033352868192845824_n.png?_nc_cat=100&amp;_nc_ht=scontent-lhr3-1.xx&amp;oh=5dd816d13ccb2308ea0c92e16bc8501c&amp;oe=5C448CEA">
+            <a:extLst>
+              <a:ext uri="{FF2B5EF4-FFF2-40B4-BE49-F238E27FC236}">
+                <a16:creationId xmlns:a16="http://schemas.microsoft.com/office/drawing/2014/main" id="{BA4A5616-497B-4DCB-A41D-E155EE156D70}"/>
+              </a:ext>
+            </a:extLst>
+          </p:cNvPr>
+          <p:cNvPicPr>
+            <a:picLocks noChangeAspect="1" noChangeArrowheads="1"/>
+          </p:cNvPicPr>
+          <p:nvPr/>
+        </p:nvPicPr>
+        <p:blipFill>
+          <a:blip r:embed="rId3">
+            <a:extLst>
+              <a:ext uri="{28A0092B-C50C-407E-A947-70E740481C1C}">
+                <a14:useLocalDpi xmlns:a14="http://schemas.microsoft.com/office/drawing/2010/main" val="0"/>
+              </a:ext>
+            </a:extLst>
+          </a:blip>
+          <a:srcRect/>
+          <a:stretch>
+            <a:fillRect/>
+          </a:stretch>
+        </p:blipFill>
+        <p:spPr bwMode="auto">
+          <a:xfrm>
+            <a:off x="457201" y="4075260"/>
+            <a:ext cx="5426764" cy="1872232"/>
+          </a:xfrm>
+          <a:prstGeom prst="rect">
+            <a:avLst/>
+          </a:prstGeom>
+          <a:ln>
+            <a:noFill/>
+          </a:ln>
+          <a:effectLst>
+            <a:outerShdw blurRad="292100" dist="139700" dir="2700000" algn="tl" rotWithShape="0">
+              <a:srgbClr val="333333">
+                <a:alpha val="65000"/>
+              </a:srgbClr>
+            </a:outerShdw>
+          </a:effectLst>
+          <a:extLst>
+            <a:ext uri="{909E8E84-426E-40DD-AFC4-6F175D3DCCD1}">
+              <a14:hiddenFill xmlns:a14="http://schemas.microsoft.com/office/drawing/2010/main">
+                <a:solidFill>
+                  <a:srgbClr val="FFFFFF"/>
+                </a:solidFill>
+              </a14:hiddenFill>
+            </a:ext>
+          </a:extLst>
+        </p:spPr>
+      </p:pic>
+      <p:sp>
+        <p:nvSpPr>
+          <p:cNvPr id="75" name="Rectangle 74">
+            <a:extLst>
+              <a:ext uri="{FF2B5EF4-FFF2-40B4-BE49-F238E27FC236}">
+                <a16:creationId xmlns:a16="http://schemas.microsoft.com/office/drawing/2014/main" id="{799448F2-0E5B-42DA-B2D1-11A14E947BD4}"/>
+              </a:ext>
+              <a:ext uri="{C183D7F6-B498-43B3-948B-1728B52AA6E4}">
+                <adec:decorative xmlns:adec="http://schemas.microsoft.com/office/drawing/2017/decorative" val="1"/>
+              </a:ext>
+            </a:extLst>
+          </p:cNvPr>
+          <p:cNvSpPr>
+            <a:spLocks noGrp="1" noRot="1" noChangeAspect="1" noMove="1" noResize="1" noEditPoints="1" noAdjustHandles="1" noChangeArrowheads="1" noChangeShapeType="1" noTextEdit="1"/>
+          </p:cNvSpPr>
+          <p:nvPr>
+            <p:extLst>
+              <p:ext uri="{386F3935-93C4-4BCD-93E2-E3B085C9AB24}">
+                <p16:designElem xmlns:p16="http://schemas.microsoft.com/office/powerpoint/2015/main" val="1"/>
+              </p:ext>
+            </p:extLst>
+          </p:nvPr>
+        </p:nvSpPr>
+        <p:spPr>
+          <a:xfrm>
+            <a:off x="6050280" y="0"/>
+            <a:ext cx="91440" cy="6858000"/>
+          </a:xfrm>
+          <a:prstGeom prst="rect">
+            <a:avLst/>
+          </a:prstGeom>
+          <a:solidFill>
+            <a:schemeClr val="tx1">
+              <a:lumMod val="75000"/>
+              <a:lumOff val="25000"/>
+            </a:schemeClr>
+          </a:solidFill>
+          <a:ln>
+            <a:noFill/>
+          </a:ln>
+        </p:spPr>
+        <p:style>
+          <a:lnRef idx="2">
+            <a:schemeClr val="accent1">
+              <a:shade val="50000"/>
+            </a:schemeClr>
+          </a:lnRef>
+          <a:fillRef idx="1">
+            <a:schemeClr val="accent1"/>
+          </a:fillRef>
+          <a:effectRef idx="0">
+            <a:schemeClr val="accent1"/>
+          </a:effectRef>
+          <a:fontRef idx="minor">
+            <a:schemeClr val="lt1"/>
+          </a:fontRef>
+        </p:style>
+        <p:txBody>
+          <a:bodyPr rtlCol="0" anchor="ctr"/>
+          <a:lstStyle/>
+          <a:p>
+            <a:pPr algn="ctr"/>
+            <a:endParaRPr lang="en-US"/>
+          </a:p>
+        </p:txBody>
+      </p:sp>
+      <p:sp>
+        <p:nvSpPr>
+          <p:cNvPr id="77" name="Rectangle 76">
+            <a:extLst>
+              <a:ext uri="{FF2B5EF4-FFF2-40B4-BE49-F238E27FC236}">
+                <a16:creationId xmlns:a16="http://schemas.microsoft.com/office/drawing/2014/main" id="{4E8A7552-20E1-4F34-ADAB-C1DB6634D47E}"/>
+              </a:ext>
+              <a:ext uri="{C183D7F6-B498-43B3-948B-1728B52AA6E4}">
+                <adec:decorative xmlns:adec="http://schemas.microsoft.com/office/drawing/2017/decorative" val="1"/>
+              </a:ext>
+            </a:extLst>
+          </p:cNvPr>
+          <p:cNvSpPr>
+            <a:spLocks noGrp="1" noRot="1" noChangeAspect="1" noMove="1" noResize="1" noEditPoints="1" noAdjustHandles="1" noChangeArrowheads="1" noChangeShapeType="1" noTextEdit="1"/>
+          </p:cNvSpPr>
+          <p:nvPr>
+            <p:extLst>
+              <p:ext uri="{386F3935-93C4-4BCD-93E2-E3B085C9AB24}">
+                <p16:designElem xmlns:p16="http://schemas.microsoft.com/office/powerpoint/2015/main" val="1"/>
+              </p:ext>
+            </p:extLst>
+          </p:nvPr>
+        </p:nvSpPr>
+        <p:spPr>
+          <a:xfrm>
+            <a:off x="0" y="3383280"/>
+            <a:ext cx="6126480" cy="91440"/>
+          </a:xfrm>
+          <a:prstGeom prst="rect">
+            <a:avLst/>
+          </a:prstGeom>
+          <a:solidFill>
+            <a:schemeClr val="tx1">
+              <a:lumMod val="75000"/>
+              <a:lumOff val="25000"/>
+            </a:schemeClr>
+          </a:solidFill>
+          <a:ln>
+            <a:noFill/>
+          </a:ln>
+        </p:spPr>
+        <p:style>
+          <a:lnRef idx="2">
+            <a:schemeClr val="accent1">
+              <a:shade val="50000"/>
+            </a:schemeClr>
+          </a:lnRef>
+          <a:fillRef idx="1">
+            <a:schemeClr val="accent1"/>
+          </a:fillRef>
+          <a:effectRef idx="0">
+            <a:schemeClr val="accent1"/>
+          </a:effectRef>
+          <a:fontRef idx="minor">
+            <a:schemeClr val="lt1"/>
+          </a:fontRef>
+        </p:style>
+        <p:txBody>
+          <a:bodyPr rtlCol="0" anchor="ctr"/>
+          <a:lstStyle/>
+          <a:p>
+            <a:pPr algn="ctr"/>
+            <a:endParaRPr lang="en-US"/>
+          </a:p>
+        </p:txBody>
+      </p:sp>
+      <p:pic>
+        <p:nvPicPr>
+          <p:cNvPr id="2054" name="Picture 6" descr="https://scontent-lhr3-1.xx.fbcdn.net/v/t1.15752-9/44946871_332977074144516_9030214485536669696_n.png?_nc_cat=100&amp;_nc_ht=scontent-lhr3-1.xx&amp;oh=d3e3b4b089f72b2a46407475bea33d52&amp;oe=5C51D178">
+            <a:extLst>
+              <a:ext uri="{FF2B5EF4-FFF2-40B4-BE49-F238E27FC236}">
+                <a16:creationId xmlns:a16="http://schemas.microsoft.com/office/drawing/2014/main" id="{9152E572-7FF7-40C6-8E8F-5B67B93C5703}"/>
+              </a:ext>
+            </a:extLst>
+          </p:cNvPr>
+          <p:cNvPicPr>
+            <a:picLocks noChangeAspect="1" noChangeArrowheads="1"/>
+          </p:cNvPicPr>
+          <p:nvPr/>
+        </p:nvPicPr>
+        <p:blipFill>
+          <a:blip r:embed="rId4">
+            <a:extLst>
+              <a:ext uri="{28A0092B-C50C-407E-A947-70E740481C1C}">
+                <a14:useLocalDpi xmlns:a14="http://schemas.microsoft.com/office/drawing/2010/main" val="0"/>
+              </a:ext>
+            </a:extLst>
+          </a:blip>
+          <a:srcRect/>
+          <a:stretch>
+            <a:fillRect/>
+          </a:stretch>
+        </p:blipFill>
+        <p:spPr bwMode="auto">
+          <a:xfrm>
+            <a:off x="6308034" y="2027138"/>
+            <a:ext cx="5426764" cy="2659114"/>
+          </a:xfrm>
+          <a:prstGeom prst="rect">
+            <a:avLst/>
+          </a:prstGeom>
+          <a:ln>
+            <a:noFill/>
+          </a:ln>
+          <a:effectLst>
+            <a:outerShdw blurRad="292100" dist="139700" dir="2700000" algn="tl" rotWithShape="0">
+              <a:srgbClr val="333333">
+                <a:alpha val="65000"/>
+              </a:srgbClr>
+            </a:outerShdw>
+          </a:effectLst>
+          <a:extLst>
+            <a:ext uri="{909E8E84-426E-40DD-AFC4-6F175D3DCCD1}">
+              <a14:hiddenFill xmlns:a14="http://schemas.microsoft.com/office/drawing/2010/main">
+                <a:solidFill>
+                  <a:srgbClr val="FFFFFF"/>
+                </a:solidFill>
+              </a14:hiddenFill>
+            </a:ext>
+          </a:extLst>
+        </p:spPr>
+      </p:pic>
+    </p:spTree>
+    <p:extLst>
+      <p:ext uri="{BB962C8B-B14F-4D97-AF65-F5344CB8AC3E}">
+        <p14:creationId xmlns:p14="http://schemas.microsoft.com/office/powerpoint/2010/main" val="4244061137"/>
+      </p:ext>
+    </p:extLst>
+  </p:cSld>
+  <p:clrMapOvr>
+    <a:masterClrMapping/>
+  </p:clrMapOvr>
+</p:sld>
+</file>
+
+<file path=ppt/slides/slide7.xml><?xml version="1.0" encoding="utf-8"?>
+<p:sld xmlns:a="http://schemas.openxmlformats.org/drawingml/2006/main" xmlns:r="http://schemas.openxmlformats.org/officeDocument/2006/relationships" xmlns:p="http://schemas.openxmlformats.org/presentationml/2006/main">
+  <p:cSld>
+    <p:bg>
+      <p:bgPr>
+        <a:gradFill flip="none" rotWithShape="1">
+          <a:gsLst>
+            <a:gs pos="0">
+              <a:schemeClr val="accent5">
+                <a:lumMod val="0"/>
+                <a:lumOff val="100000"/>
+              </a:schemeClr>
+            </a:gs>
+            <a:gs pos="35000">
+              <a:schemeClr val="accent5">
+                <a:lumMod val="0"/>
+                <a:lumOff val="100000"/>
+              </a:schemeClr>
+            </a:gs>
+            <a:gs pos="100000">
+              <a:srgbClr val="0070C0"/>
+            </a:gs>
+          </a:gsLst>
+          <a:path path="circle">
+            <a:fillToRect l="50000" t="-80000" r="50000" b="180000"/>
+          </a:path>
+          <a:tileRect/>
+        </a:gradFill>
+        <a:effectLst/>
+      </p:bgPr>
+    </p:bg>
+    <p:spTree>
+      <p:nvGrpSpPr>
+        <p:cNvPr id="1" name=""/>
+        <p:cNvGrpSpPr/>
+        <p:nvPr/>
+      </p:nvGrpSpPr>
+      <p:grpSpPr>
+        <a:xfrm>
+          <a:off x="0" y="0"/>
+          <a:ext cx="0" cy="0"/>
+          <a:chOff x="0" y="0"/>
+          <a:chExt cx="0" cy="0"/>
+        </a:xfrm>
+      </p:grpSpPr>
+      <p:sp>
+        <p:nvSpPr>
+          <p:cNvPr id="2" name="Rectangle 1">
+            <a:extLst>
+              <a:ext uri="{FF2B5EF4-FFF2-40B4-BE49-F238E27FC236}">
+                <a16:creationId xmlns:a16="http://schemas.microsoft.com/office/drawing/2014/main" id="{6BA51D9B-9A16-4C28-BACF-A84FF40B4984}"/>
+              </a:ext>
+            </a:extLst>
+          </p:cNvPr>
+          <p:cNvSpPr/>
+          <p:nvPr/>
+        </p:nvSpPr>
+        <p:spPr>
+          <a:xfrm>
+            <a:off x="2876586" y="2497976"/>
+            <a:ext cx="6438827" cy="1862048"/>
+          </a:xfrm>
+          <a:prstGeom prst="rect">
+            <a:avLst/>
+          </a:prstGeom>
+          <a:noFill/>
+        </p:spPr>
+        <p:txBody>
+          <a:bodyPr wrap="square" lIns="91440" tIns="45720" rIns="91440" bIns="45720">
+            <a:spAutoFit/>
+          </a:bodyPr>
+          <a:lstStyle/>
+          <a:p>
+            <a:pPr algn="ctr"/>
+            <a:r>
+              <a:rPr lang="en-US" sz="11500" b="1" dirty="0">
+                <a:ln w="22225">
+                  <a:solidFill>
+                    <a:schemeClr val="accent4">
+                      <a:lumMod val="60000"/>
+                      <a:lumOff val="40000"/>
+                    </a:schemeClr>
+                  </a:solidFill>
+                  <a:prstDash val="solid"/>
+                </a:ln>
+                <a:solidFill>
+                  <a:srgbClr val="C00000"/>
+                </a:solidFill>
+              </a:rPr>
+              <a:t>Questions</a:t>
+            </a:r>
+          </a:p>
+        </p:txBody>
+      </p:sp>
+    </p:spTree>
+    <p:extLst>
+      <p:ext uri="{BB962C8B-B14F-4D97-AF65-F5344CB8AC3E}">
+        <p14:creationId xmlns:p14="http://schemas.microsoft.com/office/powerpoint/2010/main" val="1971014604"/>
       </p:ext>
     </p:extLst>
   </p:cSld>
